--- a/AL Final Project Presentation.pptx
+++ b/AL Final Project Presentation.pptx
@@ -14,10 +14,10 @@
     <p:sldId id="257" r:id="rId5"/>
     <p:sldId id="259" r:id="rId6"/>
     <p:sldId id="264" r:id="rId7"/>
-    <p:sldId id="270" r:id="rId8"/>
-    <p:sldId id="276" r:id="rId9"/>
-    <p:sldId id="273" r:id="rId10"/>
-    <p:sldId id="274" r:id="rId11"/>
+    <p:sldId id="274" r:id="rId8"/>
+    <p:sldId id="270" r:id="rId9"/>
+    <p:sldId id="276" r:id="rId10"/>
+    <p:sldId id="273" r:id="rId11"/>
   </p:sldIdLst>
   <p:sldSz cx="12188825" cy="6858000"/>
   <p:notesSz cx="6858000" cy="9144000"/>
@@ -8664,8 +8664,8 @@
         </p:nvSpPr>
         <p:spPr>
           <a:xfrm>
-            <a:off x="325344" y="3715817"/>
-            <a:ext cx="11357100" cy="1056900"/>
+            <a:off x="325344" y="3715816"/>
+            <a:ext cx="11357100" cy="2002315"/>
           </a:xfrm>
           <a:prstGeom prst="rect">
             <a:avLst/>
@@ -8692,7 +8692,7 @@
               <a:buNone/>
             </a:pPr>
             <a:r>
-              <a:rPr lang="en" sz="4000" b="1" dirty="0">
+              <a:rPr lang="en" sz="3200" dirty="0">
                 <a:solidFill>
                   <a:srgbClr val="000000"/>
                 </a:solidFill>
@@ -8757,7 +8757,35 @@
                 <a:cs typeface="Open Sans"/>
                 <a:sym typeface="Open Sans"/>
               </a:rPr>
-              <a:t>Final Project</a:t>
+              <a:t>Final Project </a:t>
+            </a:r>
+          </a:p>
+          <a:p>
+            <a:pPr marL="0" lvl="0" indent="0" algn="l" rtl="0">
+              <a:spcBef>
+                <a:spcPts val="0"/>
+              </a:spcBef>
+              <a:spcAft>
+                <a:spcPts val="0"/>
+              </a:spcAft>
+              <a:buClr>
+                <a:schemeClr val="dk1"/>
+              </a:buClr>
+              <a:buSzPts val="1500"/>
+              <a:buFont typeface="Arial"/>
+              <a:buNone/>
+            </a:pPr>
+            <a:r>
+              <a:rPr lang="en" sz="3200" dirty="0">
+                <a:solidFill>
+                  <a:srgbClr val="000000"/>
+                </a:solidFill>
+                <a:latin typeface="Open Sans"/>
+                <a:ea typeface="Open Sans"/>
+                <a:cs typeface="Open Sans"/>
+                <a:sym typeface="Open Sans"/>
+              </a:rPr>
+              <a:t>15.07.2025</a:t>
             </a:r>
           </a:p>
         </p:txBody>
@@ -8870,7 +8898,7 @@
             </a:r>
             <a:r>
               <a:rPr lang="en-US" dirty="0"/>
-              <a:t>, PostgreSQL, REDIS, EKS and Terraform to demonstrate core e-commerce functionality for B2B scenarios. It includes a product list view, a shopping cart, and simple state management using a caching service. The application focuses on modular design, fault tolerance, and scalability, providing a foundation for further extension with authentication and advanced ordering workflows. Disclaimer: The app was developed as a prototype without external dependencies or real data sources and therefore does not feature all functionalities a production ready application should offer.</a:t>
+              <a:t>, PostgreSQL, Redis, EKS and Terraform to demonstrate core e-commerce functionality for B2B scenarios. It includes a product list view, a shopping cart, and simple state management using a caching service. The application focuses on modular design, fault tolerance, and scalability, providing a foundation for further extension with authentication and advanced ordering workflows. Disclaimer: The app was developed as a prototype without external dependencies or real data sources and therefore does not feature all functionalities a production ready application should offer.</a:t>
             </a:r>
             <a:endParaRPr dirty="0"/>
           </a:p>
@@ -9052,7 +9080,7 @@
           <p:nvPr>
             <p:extLst>
               <p:ext uri="{D42A27DB-BD31-4B8C-83A1-F6EECF244321}">
-                <p14:modId xmlns:p14="http://schemas.microsoft.com/office/powerpoint/2010/main" val="186480562"/>
+                <p14:modId xmlns:p14="http://schemas.microsoft.com/office/powerpoint/2010/main" val="1782421263"/>
               </p:ext>
             </p:extLst>
           </p:nvPr>
@@ -11162,33 +11190,7 @@
                           <a:cs typeface="Arial"/>
                           <a:sym typeface="Arial"/>
                         </a:rPr>
-                        <a:t>Dev/</a:t>
-                      </a:r>
-                      <a:r>
-                        <a:rPr lang="de-DE" sz="1400" b="0" i="0" u="none" strike="noStrike" cap="none" dirty="0" err="1">
-                          <a:solidFill>
-                            <a:srgbClr val="000000"/>
-                          </a:solidFill>
-                          <a:effectLst/>
-                          <a:latin typeface="Arial"/>
-                          <a:ea typeface="Arial"/>
-                          <a:cs typeface="Arial"/>
-                          <a:sym typeface="Arial"/>
-                        </a:rPr>
-                        <a:t>prod</a:t>
-                      </a:r>
-                      <a:r>
-                        <a:rPr lang="de-DE" sz="1400" b="0" i="0" u="none" strike="noStrike" cap="none" dirty="0">
-                          <a:solidFill>
-                            <a:srgbClr val="000000"/>
-                          </a:solidFill>
-                          <a:effectLst/>
-                          <a:latin typeface="Arial"/>
-                          <a:ea typeface="Arial"/>
-                          <a:cs typeface="Arial"/>
-                          <a:sym typeface="Arial"/>
-                        </a:rPr>
-                        <a:t> </a:t>
+                        <a:t>Environment </a:t>
                       </a:r>
                       <a:r>
                         <a:rPr lang="de-DE" sz="1400" b="0" i="0" u="none" strike="noStrike" cap="none" dirty="0" err="1">
@@ -12074,6 +12076,146 @@
 </file>
 
 <file path=ppt/slides/slide5.xml><?xml version="1.0" encoding="utf-8"?>
+<p:sld xmlns:a="http://schemas.openxmlformats.org/drawingml/2006/main" xmlns:r="http://schemas.openxmlformats.org/officeDocument/2006/relationships" xmlns:p="http://schemas.openxmlformats.org/presentationml/2006/main">
+  <p:cSld>
+    <p:spTree>
+      <p:nvGrpSpPr>
+        <p:cNvPr id="1" name=""/>
+        <p:cNvGrpSpPr/>
+        <p:nvPr/>
+      </p:nvGrpSpPr>
+      <p:grpSpPr>
+        <a:xfrm>
+          <a:off x="0" y="0"/>
+          <a:ext cx="0" cy="0"/>
+          <a:chOff x="0" y="0"/>
+          <a:chExt cx="0" cy="0"/>
+        </a:xfrm>
+      </p:grpSpPr>
+      <p:sp>
+        <p:nvSpPr>
+          <p:cNvPr id="2" name="Titel 1">
+            <a:extLst>
+              <a:ext uri="{FF2B5EF4-FFF2-40B4-BE49-F238E27FC236}">
+                <a16:creationId xmlns:a16="http://schemas.microsoft.com/office/drawing/2014/main" id="{4771ED74-26D2-EC01-77BE-F6E61B38B30F}"/>
+              </a:ext>
+            </a:extLst>
+          </p:cNvPr>
+          <p:cNvSpPr>
+            <a:spLocks noGrp="1"/>
+          </p:cNvSpPr>
+          <p:nvPr>
+            <p:ph type="title"/>
+          </p:nvPr>
+        </p:nvSpPr>
+        <p:spPr/>
+        <p:txBody>
+          <a:bodyPr/>
+          <a:lstStyle/>
+          <a:p>
+            <a:pPr>
+              <a:buNone/>
+            </a:pPr>
+            <a:r>
+              <a:rPr lang="de-DE" dirty="0"/>
+              <a:t>Hands on Look</a:t>
+            </a:r>
+          </a:p>
+        </p:txBody>
+      </p:sp>
+      <p:sp>
+        <p:nvSpPr>
+          <p:cNvPr id="3" name="Textplatzhalter 2">
+            <a:extLst>
+              <a:ext uri="{FF2B5EF4-FFF2-40B4-BE49-F238E27FC236}">
+                <a16:creationId xmlns:a16="http://schemas.microsoft.com/office/drawing/2014/main" id="{22F13280-CC71-35B3-63B4-46A58D7E6B27}"/>
+              </a:ext>
+            </a:extLst>
+          </p:cNvPr>
+          <p:cNvSpPr>
+            <a:spLocks noGrp="1"/>
+          </p:cNvSpPr>
+          <p:nvPr>
+            <p:ph type="body" idx="1"/>
+          </p:nvPr>
+        </p:nvSpPr>
+        <p:spPr/>
+        <p:txBody>
+          <a:bodyPr/>
+          <a:lstStyle/>
+          <a:p>
+            <a:r>
+              <a:rPr lang="de-DE" dirty="0">
+                <a:hlinkClick r:id="rId2"/>
+              </a:rPr>
+              <a:t>Jenkins</a:t>
+            </a:r>
+            <a:endParaRPr lang="de-DE" dirty="0"/>
+          </a:p>
+          <a:p>
+            <a:r>
+              <a:rPr lang="de-DE" dirty="0">
+                <a:hlinkClick r:id="rId3"/>
+              </a:rPr>
+              <a:t>Frontend</a:t>
+            </a:r>
+            <a:endParaRPr lang="de-DE" dirty="0"/>
+          </a:p>
+          <a:p>
+            <a:r>
+              <a:rPr lang="de-DE" dirty="0">
+                <a:hlinkClick r:id="rId4"/>
+              </a:rPr>
+              <a:t>EKS Cluster</a:t>
+            </a:r>
+            <a:endParaRPr lang="de-DE" dirty="0"/>
+          </a:p>
+          <a:p>
+            <a:r>
+              <a:rPr lang="de-DE" dirty="0">
+                <a:hlinkClick r:id="rId5"/>
+              </a:rPr>
+              <a:t>ECR</a:t>
+            </a:r>
+            <a:endParaRPr lang="de-DE" dirty="0"/>
+          </a:p>
+          <a:p>
+            <a:r>
+              <a:rPr lang="de-DE" dirty="0">
+                <a:hlinkClick r:id="rId6"/>
+              </a:rPr>
+              <a:t>GitHub</a:t>
+            </a:r>
+            <a:endParaRPr lang="de-DE" dirty="0"/>
+          </a:p>
+          <a:p>
+            <a:r>
+              <a:rPr lang="de-DE" dirty="0" err="1">
+                <a:hlinkClick r:id="rId7"/>
+              </a:rPr>
+              <a:t>Grafana</a:t>
+            </a:r>
+            <a:endParaRPr lang="de-DE" dirty="0"/>
+          </a:p>
+          <a:p>
+            <a:endParaRPr lang="de-DE" dirty="0"/>
+          </a:p>
+        </p:txBody>
+      </p:sp>
+    </p:spTree>
+    <p:extLst>
+      <p:ext uri="{BB962C8B-B14F-4D97-AF65-F5344CB8AC3E}">
+        <p14:creationId xmlns:p14="http://schemas.microsoft.com/office/powerpoint/2010/main" val="1741015182"/>
+      </p:ext>
+    </p:extLst>
+  </p:cSld>
+  <p:clrMapOvr>
+    <a:masterClrMapping/>
+  </p:clrMapOvr>
+</p:sld>
+</file>
+
+<file path=ppt/slides/slide6.xml><?xml version="1.0" encoding="utf-8"?>
 <p:sld xmlns:a="http://schemas.openxmlformats.org/drawingml/2006/main" xmlns:r="http://schemas.openxmlformats.org/officeDocument/2006/relationships" xmlns:p="http://schemas.openxmlformats.org/presentationml/2006/main">
   <p:cSld>
     <p:spTree>
@@ -13688,7 +13830,7 @@
 </p:sld>
 </file>
 
-<file path=ppt/slides/slide6.xml><?xml version="1.0" encoding="utf-8"?>
+<file path=ppt/slides/slide7.xml><?xml version="1.0" encoding="utf-8"?>
 <p:sld xmlns:a="http://schemas.openxmlformats.org/drawingml/2006/main" xmlns:r="http://schemas.openxmlformats.org/officeDocument/2006/relationships" xmlns:p="http://schemas.openxmlformats.org/presentationml/2006/main">
   <p:cSld>
     <p:spTree>
@@ -14480,7 +14622,7 @@
 </p:sld>
 </file>
 
-<file path=ppt/slides/slide7.xml><?xml version="1.0" encoding="utf-8"?>
+<file path=ppt/slides/slide8.xml><?xml version="1.0" encoding="utf-8"?>
 <p:sld xmlns:a="http://schemas.openxmlformats.org/drawingml/2006/main" xmlns:r="http://schemas.openxmlformats.org/officeDocument/2006/relationships" xmlns:p="http://schemas.openxmlformats.org/presentationml/2006/main">
   <p:cSld>
     <p:spTree>
@@ -15318,137 +15460,6 @@
         </p:txBody>
       </p:sp>
     </p:spTree>
-  </p:cSld>
-  <p:clrMapOvr>
-    <a:masterClrMapping/>
-  </p:clrMapOvr>
-</p:sld>
-</file>
-
-<file path=ppt/slides/slide8.xml><?xml version="1.0" encoding="utf-8"?>
-<p:sld xmlns:a="http://schemas.openxmlformats.org/drawingml/2006/main" xmlns:r="http://schemas.openxmlformats.org/officeDocument/2006/relationships" xmlns:p="http://schemas.openxmlformats.org/presentationml/2006/main">
-  <p:cSld>
-    <p:spTree>
-      <p:nvGrpSpPr>
-        <p:cNvPr id="1" name=""/>
-        <p:cNvGrpSpPr/>
-        <p:nvPr/>
-      </p:nvGrpSpPr>
-      <p:grpSpPr>
-        <a:xfrm>
-          <a:off x="0" y="0"/>
-          <a:ext cx="0" cy="0"/>
-          <a:chOff x="0" y="0"/>
-          <a:chExt cx="0" cy="0"/>
-        </a:xfrm>
-      </p:grpSpPr>
-      <p:sp>
-        <p:nvSpPr>
-          <p:cNvPr id="2" name="Titel 1">
-            <a:extLst>
-              <a:ext uri="{FF2B5EF4-FFF2-40B4-BE49-F238E27FC236}">
-                <a16:creationId xmlns:a16="http://schemas.microsoft.com/office/drawing/2014/main" id="{4771ED74-26D2-EC01-77BE-F6E61B38B30F}"/>
-              </a:ext>
-            </a:extLst>
-          </p:cNvPr>
-          <p:cNvSpPr>
-            <a:spLocks noGrp="1"/>
-          </p:cNvSpPr>
-          <p:nvPr>
-            <p:ph type="title"/>
-          </p:nvPr>
-        </p:nvSpPr>
-        <p:spPr/>
-        <p:txBody>
-          <a:bodyPr/>
-          <a:lstStyle/>
-          <a:p>
-            <a:pPr>
-              <a:buNone/>
-            </a:pPr>
-            <a:r>
-              <a:rPr lang="de-DE" dirty="0"/>
-              <a:t>Hands on Look</a:t>
-            </a:r>
-          </a:p>
-        </p:txBody>
-      </p:sp>
-      <p:sp>
-        <p:nvSpPr>
-          <p:cNvPr id="3" name="Textplatzhalter 2">
-            <a:extLst>
-              <a:ext uri="{FF2B5EF4-FFF2-40B4-BE49-F238E27FC236}">
-                <a16:creationId xmlns:a16="http://schemas.microsoft.com/office/drawing/2014/main" id="{22F13280-CC71-35B3-63B4-46A58D7E6B27}"/>
-              </a:ext>
-            </a:extLst>
-          </p:cNvPr>
-          <p:cNvSpPr>
-            <a:spLocks noGrp="1"/>
-          </p:cNvSpPr>
-          <p:nvPr>
-            <p:ph type="body" idx="1"/>
-          </p:nvPr>
-        </p:nvSpPr>
-        <p:spPr/>
-        <p:txBody>
-          <a:bodyPr/>
-          <a:lstStyle/>
-          <a:p>
-            <a:r>
-              <a:rPr lang="de-DE" dirty="0">
-                <a:hlinkClick r:id="rId2"/>
-              </a:rPr>
-              <a:t>Jenkins</a:t>
-            </a:r>
-            <a:endParaRPr lang="de-DE" dirty="0"/>
-          </a:p>
-          <a:p>
-            <a:r>
-              <a:rPr lang="de-DE" dirty="0">
-                <a:hlinkClick r:id="rId3"/>
-              </a:rPr>
-              <a:t>Frontend</a:t>
-            </a:r>
-            <a:endParaRPr lang="de-DE" dirty="0"/>
-          </a:p>
-          <a:p>
-            <a:r>
-              <a:rPr lang="de-DE" dirty="0">
-                <a:hlinkClick r:id="rId4"/>
-              </a:rPr>
-              <a:t>EKS Cluster</a:t>
-            </a:r>
-            <a:endParaRPr lang="de-DE" dirty="0"/>
-          </a:p>
-          <a:p>
-            <a:r>
-              <a:rPr lang="de-DE" dirty="0">
-                <a:hlinkClick r:id="rId5"/>
-              </a:rPr>
-              <a:t>ECR</a:t>
-            </a:r>
-            <a:endParaRPr lang="de-DE" dirty="0"/>
-          </a:p>
-          <a:p>
-            <a:r>
-              <a:rPr lang="de-DE" dirty="0">
-                <a:hlinkClick r:id="rId6"/>
-              </a:rPr>
-              <a:t>GitHub</a:t>
-            </a:r>
-            <a:endParaRPr lang="de-DE" dirty="0"/>
-          </a:p>
-          <a:p>
-            <a:endParaRPr lang="de-DE" dirty="0"/>
-          </a:p>
-        </p:txBody>
-      </p:sp>
-    </p:spTree>
-    <p:extLst>
-      <p:ext uri="{BB962C8B-B14F-4D97-AF65-F5344CB8AC3E}">
-        <p14:creationId xmlns:p14="http://schemas.microsoft.com/office/powerpoint/2010/main" val="1741015182"/>
-      </p:ext>
-    </p:extLst>
   </p:cSld>
   <p:clrMapOvr>
     <a:masterClrMapping/>
